--- a/en/asset/margin-account-model.pptx
+++ b/en/asset/margin-account-model.pptx
@@ -262,7 +262,7 @@
           <a:p>
             <a:fld id="{5C4D74E2-B5CF-438A-950C-2D45810631A3}" type="datetimeFigureOut">
               <a:rPr lang="zh-CN" altLang="en-US" smtClean="0"/>
-              <a:t>2020/1/30</a:t>
+              <a:t>2020/4/28</a:t>
             </a:fld>
             <a:endParaRPr lang="zh-CN" altLang="en-US"/>
           </a:p>
@@ -460,7 +460,7 @@
           <a:p>
             <a:fld id="{5C4D74E2-B5CF-438A-950C-2D45810631A3}" type="datetimeFigureOut">
               <a:rPr lang="zh-CN" altLang="en-US" smtClean="0"/>
-              <a:t>2020/1/30</a:t>
+              <a:t>2020/4/28</a:t>
             </a:fld>
             <a:endParaRPr lang="zh-CN" altLang="en-US"/>
           </a:p>
@@ -668,7 +668,7 @@
           <a:p>
             <a:fld id="{5C4D74E2-B5CF-438A-950C-2D45810631A3}" type="datetimeFigureOut">
               <a:rPr lang="zh-CN" altLang="en-US" smtClean="0"/>
-              <a:t>2020/1/30</a:t>
+              <a:t>2020/4/28</a:t>
             </a:fld>
             <a:endParaRPr lang="zh-CN" altLang="en-US"/>
           </a:p>
@@ -866,7 +866,7 @@
           <a:p>
             <a:fld id="{5C4D74E2-B5CF-438A-950C-2D45810631A3}" type="datetimeFigureOut">
               <a:rPr lang="zh-CN" altLang="en-US" smtClean="0"/>
-              <a:t>2020/1/30</a:t>
+              <a:t>2020/4/28</a:t>
             </a:fld>
             <a:endParaRPr lang="zh-CN" altLang="en-US"/>
           </a:p>
@@ -1141,7 +1141,7 @@
           <a:p>
             <a:fld id="{5C4D74E2-B5CF-438A-950C-2D45810631A3}" type="datetimeFigureOut">
               <a:rPr lang="zh-CN" altLang="en-US" smtClean="0"/>
-              <a:t>2020/1/30</a:t>
+              <a:t>2020/4/28</a:t>
             </a:fld>
             <a:endParaRPr lang="zh-CN" altLang="en-US"/>
           </a:p>
@@ -1406,7 +1406,7 @@
           <a:p>
             <a:fld id="{5C4D74E2-B5CF-438A-950C-2D45810631A3}" type="datetimeFigureOut">
               <a:rPr lang="zh-CN" altLang="en-US" smtClean="0"/>
-              <a:t>2020/1/30</a:t>
+              <a:t>2020/4/28</a:t>
             </a:fld>
             <a:endParaRPr lang="zh-CN" altLang="en-US"/>
           </a:p>
@@ -1818,7 +1818,7 @@
           <a:p>
             <a:fld id="{5C4D74E2-B5CF-438A-950C-2D45810631A3}" type="datetimeFigureOut">
               <a:rPr lang="zh-CN" altLang="en-US" smtClean="0"/>
-              <a:t>2020/1/30</a:t>
+              <a:t>2020/4/28</a:t>
             </a:fld>
             <a:endParaRPr lang="zh-CN" altLang="en-US"/>
           </a:p>
@@ -1959,7 +1959,7 @@
           <a:p>
             <a:fld id="{5C4D74E2-B5CF-438A-950C-2D45810631A3}" type="datetimeFigureOut">
               <a:rPr lang="zh-CN" altLang="en-US" smtClean="0"/>
-              <a:t>2020/1/30</a:t>
+              <a:t>2020/4/28</a:t>
             </a:fld>
             <a:endParaRPr lang="zh-CN" altLang="en-US"/>
           </a:p>
@@ -2072,7 +2072,7 @@
           <a:p>
             <a:fld id="{5C4D74E2-B5CF-438A-950C-2D45810631A3}" type="datetimeFigureOut">
               <a:rPr lang="zh-CN" altLang="en-US" smtClean="0"/>
-              <a:t>2020/1/30</a:t>
+              <a:t>2020/4/28</a:t>
             </a:fld>
             <a:endParaRPr lang="zh-CN" altLang="en-US"/>
           </a:p>
@@ -2383,7 +2383,7 @@
           <a:p>
             <a:fld id="{5C4D74E2-B5CF-438A-950C-2D45810631A3}" type="datetimeFigureOut">
               <a:rPr lang="zh-CN" altLang="en-US" smtClean="0"/>
-              <a:t>2020/1/30</a:t>
+              <a:t>2020/4/28</a:t>
             </a:fld>
             <a:endParaRPr lang="zh-CN" altLang="en-US"/>
           </a:p>
@@ -2671,7 +2671,7 @@
           <a:p>
             <a:fld id="{5C4D74E2-B5CF-438A-950C-2D45810631A3}" type="datetimeFigureOut">
               <a:rPr lang="zh-CN" altLang="en-US" smtClean="0"/>
-              <a:t>2020/1/30</a:t>
+              <a:t>2020/4/28</a:t>
             </a:fld>
             <a:endParaRPr lang="zh-CN" altLang="en-US"/>
           </a:p>
@@ -2912,7 +2912,7 @@
           <a:p>
             <a:fld id="{5C4D74E2-B5CF-438A-950C-2D45810631A3}" type="datetimeFigureOut">
               <a:rPr lang="zh-CN" altLang="en-US" smtClean="0"/>
-              <a:t>2020/1/30</a:t>
+              <a:t>2020/4/28</a:t>
             </a:fld>
             <a:endParaRPr lang="zh-CN" altLang="en-US"/>
           </a:p>
@@ -3360,7 +3360,7 @@
             <a:pPr algn="ctr"/>
             <a:r>
               <a:rPr lang="en-US" altLang="zh-CN" dirty="0"/>
-              <a:t>When UPNL2 &gt; 0</a:t>
+              <a:t>When PNL2 &gt; 0</a:t>
             </a:r>
             <a:endParaRPr lang="zh-CN" altLang="en-US" dirty="0"/>
           </a:p>
@@ -3679,7 +3679,7 @@
         </p:nvSpPr>
         <p:spPr>
           <a:xfrm>
-            <a:off x="5344087" y="2460224"/>
+            <a:off x="5317960" y="2460224"/>
             <a:ext cx="2017917" cy="646331"/>
           </a:xfrm>
           <a:prstGeom prst="rect">
@@ -3822,8 +3822,8 @@
         </p:nvSpPr>
         <p:spPr>
           <a:xfrm>
-            <a:off x="5344089" y="3891788"/>
-            <a:ext cx="1944986" cy="369332"/>
+            <a:off x="5317961" y="3926624"/>
+            <a:ext cx="2323255" cy="369332"/>
           </a:xfrm>
           <a:prstGeom prst="rect">
             <a:avLst/>
@@ -3838,7 +3838,7 @@
           <a:p>
             <a:r>
               <a:rPr lang="en-US" altLang="zh-CN" dirty="0" err="1"/>
-              <a:t>DrawableBalance</a:t>
+              <a:t>WithdrawableBalance</a:t>
             </a:r>
             <a:endParaRPr lang="en-US" altLang="zh-CN" dirty="0"/>
           </a:p>
@@ -3860,7 +3860,7 @@
         </p:nvCxnSpPr>
         <p:spPr>
           <a:xfrm>
-            <a:off x="7611028" y="1878682"/>
+            <a:off x="7637155" y="1878682"/>
             <a:ext cx="0" cy="4425641"/>
           </a:xfrm>
           <a:prstGeom prst="line">
@@ -3899,7 +3899,7 @@
         </p:nvSpPr>
         <p:spPr>
           <a:xfrm>
-            <a:off x="6213885" y="5946168"/>
+            <a:off x="6240012" y="5946168"/>
             <a:ext cx="1307527" cy="369332"/>
           </a:xfrm>
           <a:prstGeom prst="rect">
@@ -3936,7 +3936,7 @@
         </p:nvSpPr>
         <p:spPr>
           <a:xfrm>
-            <a:off x="7667345" y="5946168"/>
+            <a:off x="7693472" y="5946168"/>
             <a:ext cx="1239566" cy="369332"/>
           </a:xfrm>
           <a:prstGeom prst="rect">
@@ -4396,7 +4396,7 @@
             <a:pPr algn="ctr"/>
             <a:r>
               <a:rPr lang="en-US" altLang="zh-CN" dirty="0"/>
-              <a:t>When UPNL2 &lt; 0, </a:t>
+              <a:t>When PNL2 &lt; 0, </a:t>
             </a:r>
             <a:r>
               <a:rPr lang="en-US" altLang="zh-CN" dirty="0" err="1"/>
@@ -5198,7 +5198,7 @@
         <p:spPr>
           <a:xfrm>
             <a:off x="1813387" y="3897236"/>
-            <a:ext cx="1292088" cy="646331"/>
+            <a:ext cx="1292088" cy="369332"/>
           </a:xfrm>
           <a:prstGeom prst="rect">
             <a:avLst/>
@@ -5213,18 +5213,9 @@
           <a:p>
             <a:pPr algn="r"/>
             <a:r>
-              <a:rPr lang="zh-CN" altLang="en-US" dirty="0"/>
-              <a:t>用户存入</a:t>
-            </a:r>
-            <a:endParaRPr lang="en-US" altLang="zh-CN" dirty="0"/>
-          </a:p>
-          <a:p>
-            <a:pPr algn="r"/>
-            <a:r>
-              <a:rPr lang="zh-CN" altLang="en-US" dirty="0"/>
-              <a:t>的抵押物</a:t>
-            </a:r>
-            <a:endParaRPr lang="en-US" altLang="zh-CN" dirty="0"/>
+              <a:rPr lang="en-US" altLang="zh-CN" dirty="0"/>
+              <a:t>Deposit</a:t>
+            </a:r>
           </a:p>
         </p:txBody>
       </p:sp>
@@ -5939,7 +5930,7 @@
         <p:spPr>
           <a:xfrm>
             <a:off x="1813387" y="3897236"/>
-            <a:ext cx="1292088" cy="646331"/>
+            <a:ext cx="1292088" cy="369332"/>
           </a:xfrm>
           <a:prstGeom prst="rect">
             <a:avLst/>
@@ -5954,18 +5945,9 @@
           <a:p>
             <a:pPr algn="r"/>
             <a:r>
-              <a:rPr lang="zh-CN" altLang="en-US" dirty="0"/>
-              <a:t>用户存入</a:t>
-            </a:r>
-            <a:endParaRPr lang="en-US" altLang="zh-CN" dirty="0"/>
-          </a:p>
-          <a:p>
-            <a:pPr algn="r"/>
-            <a:r>
-              <a:rPr lang="zh-CN" altLang="en-US" dirty="0"/>
-              <a:t>的抵押物</a:t>
-            </a:r>
-            <a:endParaRPr lang="en-US" altLang="zh-CN" dirty="0"/>
+              <a:rPr lang="en-US" altLang="zh-CN" dirty="0"/>
+              <a:t>Deposit</a:t>
+            </a:r>
           </a:p>
         </p:txBody>
       </p:sp>

--- a/en/asset/margin-account-model.pptx
+++ b/en/asset/margin-account-model.pptx
@@ -262,7 +262,7 @@
           <a:p>
             <a:fld id="{5C4D74E2-B5CF-438A-950C-2D45810631A3}" type="datetimeFigureOut">
               <a:rPr lang="zh-CN" altLang="en-US" smtClean="0"/>
-              <a:t>2020/4/28</a:t>
+              <a:t>2020/5/15</a:t>
             </a:fld>
             <a:endParaRPr lang="zh-CN" altLang="en-US"/>
           </a:p>
@@ -460,7 +460,7 @@
           <a:p>
             <a:fld id="{5C4D74E2-B5CF-438A-950C-2D45810631A3}" type="datetimeFigureOut">
               <a:rPr lang="zh-CN" altLang="en-US" smtClean="0"/>
-              <a:t>2020/4/28</a:t>
+              <a:t>2020/5/15</a:t>
             </a:fld>
             <a:endParaRPr lang="zh-CN" altLang="en-US"/>
           </a:p>
@@ -668,7 +668,7 @@
           <a:p>
             <a:fld id="{5C4D74E2-B5CF-438A-950C-2D45810631A3}" type="datetimeFigureOut">
               <a:rPr lang="zh-CN" altLang="en-US" smtClean="0"/>
-              <a:t>2020/4/28</a:t>
+              <a:t>2020/5/15</a:t>
             </a:fld>
             <a:endParaRPr lang="zh-CN" altLang="en-US"/>
           </a:p>
@@ -866,7 +866,7 @@
           <a:p>
             <a:fld id="{5C4D74E2-B5CF-438A-950C-2D45810631A3}" type="datetimeFigureOut">
               <a:rPr lang="zh-CN" altLang="en-US" smtClean="0"/>
-              <a:t>2020/4/28</a:t>
+              <a:t>2020/5/15</a:t>
             </a:fld>
             <a:endParaRPr lang="zh-CN" altLang="en-US"/>
           </a:p>
@@ -1141,7 +1141,7 @@
           <a:p>
             <a:fld id="{5C4D74E2-B5CF-438A-950C-2D45810631A3}" type="datetimeFigureOut">
               <a:rPr lang="zh-CN" altLang="en-US" smtClean="0"/>
-              <a:t>2020/4/28</a:t>
+              <a:t>2020/5/15</a:t>
             </a:fld>
             <a:endParaRPr lang="zh-CN" altLang="en-US"/>
           </a:p>
@@ -1406,7 +1406,7 @@
           <a:p>
             <a:fld id="{5C4D74E2-B5CF-438A-950C-2D45810631A3}" type="datetimeFigureOut">
               <a:rPr lang="zh-CN" altLang="en-US" smtClean="0"/>
-              <a:t>2020/4/28</a:t>
+              <a:t>2020/5/15</a:t>
             </a:fld>
             <a:endParaRPr lang="zh-CN" altLang="en-US"/>
           </a:p>
@@ -1818,7 +1818,7 @@
           <a:p>
             <a:fld id="{5C4D74E2-B5CF-438A-950C-2D45810631A3}" type="datetimeFigureOut">
               <a:rPr lang="zh-CN" altLang="en-US" smtClean="0"/>
-              <a:t>2020/4/28</a:t>
+              <a:t>2020/5/15</a:t>
             </a:fld>
             <a:endParaRPr lang="zh-CN" altLang="en-US"/>
           </a:p>
@@ -1959,7 +1959,7 @@
           <a:p>
             <a:fld id="{5C4D74E2-B5CF-438A-950C-2D45810631A3}" type="datetimeFigureOut">
               <a:rPr lang="zh-CN" altLang="en-US" smtClean="0"/>
-              <a:t>2020/4/28</a:t>
+              <a:t>2020/5/15</a:t>
             </a:fld>
             <a:endParaRPr lang="zh-CN" altLang="en-US"/>
           </a:p>
@@ -2072,7 +2072,7 @@
           <a:p>
             <a:fld id="{5C4D74E2-B5CF-438A-950C-2D45810631A3}" type="datetimeFigureOut">
               <a:rPr lang="zh-CN" altLang="en-US" smtClean="0"/>
-              <a:t>2020/4/28</a:t>
+              <a:t>2020/5/15</a:t>
             </a:fld>
             <a:endParaRPr lang="zh-CN" altLang="en-US"/>
           </a:p>
@@ -2383,7 +2383,7 @@
           <a:p>
             <a:fld id="{5C4D74E2-B5CF-438A-950C-2D45810631A3}" type="datetimeFigureOut">
               <a:rPr lang="zh-CN" altLang="en-US" smtClean="0"/>
-              <a:t>2020/4/28</a:t>
+              <a:t>2020/5/15</a:t>
             </a:fld>
             <a:endParaRPr lang="zh-CN" altLang="en-US"/>
           </a:p>
@@ -2671,7 +2671,7 @@
           <a:p>
             <a:fld id="{5C4D74E2-B5CF-438A-950C-2D45810631A3}" type="datetimeFigureOut">
               <a:rPr lang="zh-CN" altLang="en-US" smtClean="0"/>
-              <a:t>2020/4/28</a:t>
+              <a:t>2020/5/15</a:t>
             </a:fld>
             <a:endParaRPr lang="zh-CN" altLang="en-US"/>
           </a:p>
@@ -2912,7 +2912,7 @@
           <a:p>
             <a:fld id="{5C4D74E2-B5CF-438A-950C-2D45810631A3}" type="datetimeFigureOut">
               <a:rPr lang="zh-CN" altLang="en-US" smtClean="0"/>
-              <a:t>2020/4/28</a:t>
+              <a:t>2020/5/15</a:t>
             </a:fld>
             <a:endParaRPr lang="zh-CN" altLang="en-US"/>
           </a:p>
@@ -3415,7 +3415,7 @@
                   <a:schemeClr val="accent1"/>
                 </a:solidFill>
               </a:rPr>
-              <a:t>UPNL2</a:t>
+              <a:t>PNL2</a:t>
             </a:r>
             <a:endParaRPr lang="zh-CN" altLang="en-US" dirty="0">
               <a:solidFill>
@@ -4476,7 +4476,7 @@
                   <a:schemeClr val="accent2"/>
                 </a:solidFill>
               </a:rPr>
-              <a:t>UPNL2</a:t>
+              <a:t>PNL2</a:t>
             </a:r>
             <a:endParaRPr lang="zh-CN" altLang="en-US" dirty="0">
               <a:solidFill>

--- a/en/asset/margin-account-model.pptx
+++ b/en/asset/margin-account-model.pptx
@@ -262,7 +262,7 @@
           <a:p>
             <a:fld id="{5C4D74E2-B5CF-438A-950C-2D45810631A3}" type="datetimeFigureOut">
               <a:rPr lang="zh-CN" altLang="en-US" smtClean="0"/>
-              <a:t>2020/5/15</a:t>
+              <a:t>2020/6/14</a:t>
             </a:fld>
             <a:endParaRPr lang="zh-CN" altLang="en-US"/>
           </a:p>
@@ -460,7 +460,7 @@
           <a:p>
             <a:fld id="{5C4D74E2-B5CF-438A-950C-2D45810631A3}" type="datetimeFigureOut">
               <a:rPr lang="zh-CN" altLang="en-US" smtClean="0"/>
-              <a:t>2020/5/15</a:t>
+              <a:t>2020/6/14</a:t>
             </a:fld>
             <a:endParaRPr lang="zh-CN" altLang="en-US"/>
           </a:p>
@@ -668,7 +668,7 @@
           <a:p>
             <a:fld id="{5C4D74E2-B5CF-438A-950C-2D45810631A3}" type="datetimeFigureOut">
               <a:rPr lang="zh-CN" altLang="en-US" smtClean="0"/>
-              <a:t>2020/5/15</a:t>
+              <a:t>2020/6/14</a:t>
             </a:fld>
             <a:endParaRPr lang="zh-CN" altLang="en-US"/>
           </a:p>
@@ -866,7 +866,7 @@
           <a:p>
             <a:fld id="{5C4D74E2-B5CF-438A-950C-2D45810631A3}" type="datetimeFigureOut">
               <a:rPr lang="zh-CN" altLang="en-US" smtClean="0"/>
-              <a:t>2020/5/15</a:t>
+              <a:t>2020/6/14</a:t>
             </a:fld>
             <a:endParaRPr lang="zh-CN" altLang="en-US"/>
           </a:p>
@@ -1141,7 +1141,7 @@
           <a:p>
             <a:fld id="{5C4D74E2-B5CF-438A-950C-2D45810631A3}" type="datetimeFigureOut">
               <a:rPr lang="zh-CN" altLang="en-US" smtClean="0"/>
-              <a:t>2020/5/15</a:t>
+              <a:t>2020/6/14</a:t>
             </a:fld>
             <a:endParaRPr lang="zh-CN" altLang="en-US"/>
           </a:p>
@@ -1406,7 +1406,7 @@
           <a:p>
             <a:fld id="{5C4D74E2-B5CF-438A-950C-2D45810631A3}" type="datetimeFigureOut">
               <a:rPr lang="zh-CN" altLang="en-US" smtClean="0"/>
-              <a:t>2020/5/15</a:t>
+              <a:t>2020/6/14</a:t>
             </a:fld>
             <a:endParaRPr lang="zh-CN" altLang="en-US"/>
           </a:p>
@@ -1818,7 +1818,7 @@
           <a:p>
             <a:fld id="{5C4D74E2-B5CF-438A-950C-2D45810631A3}" type="datetimeFigureOut">
               <a:rPr lang="zh-CN" altLang="en-US" smtClean="0"/>
-              <a:t>2020/5/15</a:t>
+              <a:t>2020/6/14</a:t>
             </a:fld>
             <a:endParaRPr lang="zh-CN" altLang="en-US"/>
           </a:p>
@@ -1959,7 +1959,7 @@
           <a:p>
             <a:fld id="{5C4D74E2-B5CF-438A-950C-2D45810631A3}" type="datetimeFigureOut">
               <a:rPr lang="zh-CN" altLang="en-US" smtClean="0"/>
-              <a:t>2020/5/15</a:t>
+              <a:t>2020/6/14</a:t>
             </a:fld>
             <a:endParaRPr lang="zh-CN" altLang="en-US"/>
           </a:p>
@@ -2072,7 +2072,7 @@
           <a:p>
             <a:fld id="{5C4D74E2-B5CF-438A-950C-2D45810631A3}" type="datetimeFigureOut">
               <a:rPr lang="zh-CN" altLang="en-US" smtClean="0"/>
-              <a:t>2020/5/15</a:t>
+              <a:t>2020/6/14</a:t>
             </a:fld>
             <a:endParaRPr lang="zh-CN" altLang="en-US"/>
           </a:p>
@@ -2383,7 +2383,7 @@
           <a:p>
             <a:fld id="{5C4D74E2-B5CF-438A-950C-2D45810631A3}" type="datetimeFigureOut">
               <a:rPr lang="zh-CN" altLang="en-US" smtClean="0"/>
-              <a:t>2020/5/15</a:t>
+              <a:t>2020/6/14</a:t>
             </a:fld>
             <a:endParaRPr lang="zh-CN" altLang="en-US"/>
           </a:p>
@@ -2671,7 +2671,7 @@
           <a:p>
             <a:fld id="{5C4D74E2-B5CF-438A-950C-2D45810631A3}" type="datetimeFigureOut">
               <a:rPr lang="zh-CN" altLang="en-US" smtClean="0"/>
-              <a:t>2020/5/15</a:t>
+              <a:t>2020/6/14</a:t>
             </a:fld>
             <a:endParaRPr lang="zh-CN" altLang="en-US"/>
           </a:p>
@@ -2912,7 +2912,7 @@
           <a:p>
             <a:fld id="{5C4D74E2-B5CF-438A-950C-2D45810631A3}" type="datetimeFigureOut">
               <a:rPr lang="zh-CN" altLang="en-US" smtClean="0"/>
-              <a:t>2020/5/15</a:t>
+              <a:t>2020/6/14</a:t>
             </a:fld>
             <a:endParaRPr lang="zh-CN" altLang="en-US"/>
           </a:p>
@@ -3343,8 +3343,8 @@
         </p:nvSpPr>
         <p:spPr>
           <a:xfrm>
-            <a:off x="775070" y="1261025"/>
-            <a:ext cx="9622979" cy="369332"/>
+            <a:off x="450290" y="1261024"/>
+            <a:ext cx="4469371" cy="230832"/>
           </a:xfrm>
           <a:prstGeom prst="rect">
             <a:avLst/>
@@ -3359,10 +3359,10 @@
           <a:p>
             <a:pPr algn="ctr"/>
             <a:r>
-              <a:rPr lang="en-US" altLang="zh-CN" dirty="0"/>
+              <a:rPr lang="en-US" altLang="zh-CN" sz="900" dirty="0"/>
               <a:t>When PNL2 &gt; 0</a:t>
             </a:r>
-            <a:endParaRPr lang="zh-CN" altLang="en-US" dirty="0"/>
+            <a:endParaRPr lang="zh-CN" altLang="en-US" sz="900" dirty="0"/>
           </a:p>
         </p:txBody>
       </p:sp>
@@ -3380,13 +3380,14 @@
         </p:nvSpPr>
         <p:spPr>
           <a:xfrm>
-            <a:off x="2181376" y="1939372"/>
-            <a:ext cx="2713383" cy="944217"/>
+            <a:off x="1165671" y="1552627"/>
+            <a:ext cx="1166409" cy="405893"/>
           </a:xfrm>
           <a:prstGeom prst="rect">
             <a:avLst/>
           </a:prstGeom>
           <a:noFill/>
+          <a:ln w="6350"/>
         </p:spPr>
         <p:style>
           <a:lnRef idx="2">
@@ -3410,14 +3411,14 @@
           <a:p>
             <a:pPr algn="ctr"/>
             <a:r>
-              <a:rPr lang="en-US" altLang="zh-CN" dirty="0">
+              <a:rPr lang="en-US" altLang="zh-CN" sz="900" dirty="0">
                 <a:solidFill>
                   <a:schemeClr val="accent1"/>
                 </a:solidFill>
               </a:rPr>
               <a:t>PNL2</a:t>
             </a:r>
-            <a:endParaRPr lang="zh-CN" altLang="en-US" dirty="0">
+            <a:endParaRPr lang="zh-CN" altLang="en-US" sz="900" dirty="0">
               <a:solidFill>
                 <a:schemeClr val="accent1"/>
               </a:solidFill>
@@ -3439,13 +3440,14 @@
         </p:nvSpPr>
         <p:spPr>
           <a:xfrm>
-            <a:off x="2181375" y="2883589"/>
-            <a:ext cx="2713383" cy="2673627"/>
+            <a:off x="1165670" y="1958520"/>
+            <a:ext cx="1166409" cy="954394"/>
           </a:xfrm>
           <a:prstGeom prst="rect">
             <a:avLst/>
           </a:prstGeom>
           <a:noFill/>
+          <a:ln w="6350"/>
         </p:spPr>
         <p:style>
           <a:lnRef idx="2">
@@ -3468,7 +3470,7 @@
           <a:lstStyle/>
           <a:p>
             <a:r>
-              <a:rPr lang="en-US" altLang="zh-CN" dirty="0">
+              <a:rPr lang="en-US" altLang="zh-CN" sz="900" dirty="0">
                 <a:solidFill>
                   <a:schemeClr val="accent1"/>
                 </a:solidFill>
@@ -3478,7 +3480,7 @@
           </a:p>
           <a:p>
             <a:r>
-              <a:rPr lang="en-US" altLang="zh-CN" dirty="0">
+              <a:rPr lang="en-US" altLang="zh-CN" sz="900" dirty="0">
                 <a:solidFill>
                   <a:schemeClr val="accent1"/>
                 </a:solidFill>
@@ -3502,13 +3504,14 @@
         </p:nvSpPr>
         <p:spPr>
           <a:xfrm>
-            <a:off x="3351396" y="4548396"/>
-            <a:ext cx="1540563" cy="1008820"/>
+            <a:off x="1716818" y="2405093"/>
+            <a:ext cx="614751" cy="507821"/>
           </a:xfrm>
           <a:prstGeom prst="rect">
             <a:avLst/>
           </a:prstGeom>
           <a:noFill/>
+          <a:ln w="6350"/>
         </p:spPr>
         <p:style>
           <a:lnRef idx="2">
@@ -3532,7 +3535,7 @@
           <a:p>
             <a:pPr algn="ctr"/>
             <a:r>
-              <a:rPr lang="en-US" altLang="zh-CN" dirty="0">
+              <a:rPr lang="en-US" altLang="zh-CN" sz="900" dirty="0">
                 <a:solidFill>
                   <a:schemeClr val="accent1"/>
                 </a:solidFill>
@@ -3543,7 +3546,7 @@
           <a:p>
             <a:pPr algn="ctr"/>
             <a:r>
-              <a:rPr lang="en-US" altLang="zh-CN" dirty="0">
+              <a:rPr lang="en-US" altLang="zh-CN" sz="900" dirty="0">
                 <a:solidFill>
                   <a:schemeClr val="accent1"/>
                 </a:solidFill>
@@ -3555,10 +3558,10 @@
       </p:sp>
       <p:sp>
         <p:nvSpPr>
-          <p:cNvPr id="9" name="矩形 8">
-            <a:extLst>
-              <a:ext uri="{FF2B5EF4-FFF2-40B4-BE49-F238E27FC236}">
-                <a16:creationId xmlns:a16="http://schemas.microsoft.com/office/drawing/2014/main" id="{C1C9DD37-D31D-4FB6-94BC-346F573D8DAA}"/>
+          <p:cNvPr id="12" name="左大括号 11">
+            <a:extLst>
+              <a:ext uri="{FF2B5EF4-FFF2-40B4-BE49-F238E27FC236}">
+                <a16:creationId xmlns:a16="http://schemas.microsoft.com/office/drawing/2014/main" id="{0BF4AB85-34D7-4958-AAFC-B34170816CDC}"/>
               </a:ext>
             </a:extLst>
           </p:cNvPr>
@@ -3566,14 +3569,272 @@
           <p:nvPr/>
         </p:nvSpPr>
         <p:spPr>
-          <a:xfrm>
-            <a:off x="3350978" y="3681204"/>
-            <a:ext cx="1540563" cy="867192"/>
+          <a:xfrm flipH="1">
+            <a:off x="2369081" y="1552626"/>
+            <a:ext cx="107526" cy="852405"/>
+          </a:xfrm>
+          <a:prstGeom prst="leftBrace">
+            <a:avLst>
+              <a:gd name="adj1" fmla="val 94760"/>
+              <a:gd name="adj2" fmla="val 50000"/>
+            </a:avLst>
+          </a:prstGeom>
+        </p:spPr>
+        <p:style>
+          <a:lnRef idx="1">
+            <a:schemeClr val="accent1"/>
+          </a:lnRef>
+          <a:fillRef idx="0">
+            <a:schemeClr val="accent1"/>
+          </a:fillRef>
+          <a:effectRef idx="0">
+            <a:schemeClr val="accent1"/>
+          </a:effectRef>
+          <a:fontRef idx="minor">
+            <a:schemeClr val="tx1"/>
+          </a:fontRef>
+        </p:style>
+        <p:txBody>
+          <a:bodyPr rtlCol="0" anchor="ctr"/>
+          <a:lstStyle/>
+          <a:p>
+            <a:pPr algn="ctr"/>
+            <a:endParaRPr lang="zh-CN" altLang="en-US" sz="900"/>
+          </a:p>
+        </p:txBody>
+      </p:sp>
+      <p:sp>
+        <p:nvSpPr>
+          <p:cNvPr id="13" name="文本框 12">
+            <a:extLst>
+              <a:ext uri="{FF2B5EF4-FFF2-40B4-BE49-F238E27FC236}">
+                <a16:creationId xmlns:a16="http://schemas.microsoft.com/office/drawing/2014/main" id="{83C0B6B6-4AFA-43E4-BFAB-78FA33E48DAD}"/>
+              </a:ext>
+            </a:extLst>
+          </p:cNvPr>
+          <p:cNvSpPr txBox="1"/>
+          <p:nvPr/>
+        </p:nvSpPr>
+        <p:spPr>
+          <a:xfrm>
+            <a:off x="2455071" y="1797840"/>
+            <a:ext cx="1058268" cy="369332"/>
           </a:xfrm>
           <a:prstGeom prst="rect">
             <a:avLst/>
           </a:prstGeom>
           <a:noFill/>
+        </p:spPr>
+        <p:txBody>
+          <a:bodyPr wrap="square" rtlCol="0">
+            <a:spAutoFit/>
+          </a:bodyPr>
+          <a:lstStyle/>
+          <a:p>
+            <a:r>
+              <a:rPr lang="en-US" altLang="zh-CN" sz="900" dirty="0" err="1"/>
+              <a:t>AvailableMargin</a:t>
+            </a:r>
+            <a:endParaRPr lang="en-US" altLang="zh-CN" sz="900" dirty="0"/>
+          </a:p>
+          <a:p>
+            <a:r>
+              <a:rPr lang="en-US" altLang="zh-CN" sz="900" dirty="0"/>
+              <a:t>(for new positions)</a:t>
+            </a:r>
+          </a:p>
+        </p:txBody>
+      </p:sp>
+      <p:sp>
+        <p:nvSpPr>
+          <p:cNvPr id="14" name="文本框 13">
+            <a:extLst>
+              <a:ext uri="{FF2B5EF4-FFF2-40B4-BE49-F238E27FC236}">
+                <a16:creationId xmlns:a16="http://schemas.microsoft.com/office/drawing/2014/main" id="{F109E515-C5C0-4B87-8A1B-620AD17D8FAF}"/>
+              </a:ext>
+            </a:extLst>
+          </p:cNvPr>
+          <p:cNvSpPr txBox="1"/>
+          <p:nvPr/>
+        </p:nvSpPr>
+        <p:spPr>
+          <a:xfrm>
+            <a:off x="2349887" y="2408162"/>
+            <a:ext cx="874119" cy="507831"/>
+          </a:xfrm>
+          <a:prstGeom prst="rect">
+            <a:avLst/>
+          </a:prstGeom>
+          <a:noFill/>
+        </p:spPr>
+        <p:txBody>
+          <a:bodyPr wrap="square" rtlCol="0">
+            <a:spAutoFit/>
+          </a:bodyPr>
+          <a:lstStyle/>
+          <a:p>
+            <a:r>
+              <a:rPr lang="en-US" altLang="zh-CN" sz="900" dirty="0" err="1"/>
+              <a:t>MarkPrice</a:t>
+            </a:r>
+            <a:r>
+              <a:rPr lang="en-US" altLang="zh-CN" sz="900" dirty="0"/>
+              <a:t> * </a:t>
+            </a:r>
+            <a:r>
+              <a:rPr lang="en-US" altLang="zh-CN" sz="900" dirty="0" err="1"/>
+              <a:t>PositionSize</a:t>
+            </a:r>
+            <a:r>
+              <a:rPr lang="en-US" altLang="zh-CN" sz="900" dirty="0"/>
+              <a:t> *</a:t>
+            </a:r>
+          </a:p>
+          <a:p>
+            <a:r>
+              <a:rPr lang="en-US" altLang="zh-CN" sz="900" dirty="0" err="1"/>
+              <a:t>IMRate</a:t>
+            </a:r>
+            <a:endParaRPr lang="en-US" altLang="zh-CN" sz="900" dirty="0"/>
+          </a:p>
+        </p:txBody>
+      </p:sp>
+      <p:cxnSp>
+        <p:nvCxnSpPr>
+          <p:cNvPr id="3" name="直接连接符 2">
+            <a:extLst>
+              <a:ext uri="{FF2B5EF4-FFF2-40B4-BE49-F238E27FC236}">
+                <a16:creationId xmlns:a16="http://schemas.microsoft.com/office/drawing/2014/main" id="{98842237-1E6B-4510-B18A-8C509E4D6B01}"/>
+              </a:ext>
+            </a:extLst>
+          </p:cNvPr>
+          <p:cNvCxnSpPr>
+            <a:cxnSpLocks/>
+          </p:cNvCxnSpPr>
+          <p:nvPr/>
+        </p:nvCxnSpPr>
+        <p:spPr>
+          <a:xfrm>
+            <a:off x="3510960" y="1513838"/>
+            <a:ext cx="0" cy="1688243"/>
+          </a:xfrm>
+          <a:prstGeom prst="line">
+            <a:avLst/>
+          </a:prstGeom>
+          <a:ln>
+            <a:prstDash val="lgDash"/>
+          </a:ln>
+        </p:spPr>
+        <p:style>
+          <a:lnRef idx="1">
+            <a:schemeClr val="accent1"/>
+          </a:lnRef>
+          <a:fillRef idx="0">
+            <a:schemeClr val="accent1"/>
+          </a:fillRef>
+          <a:effectRef idx="0">
+            <a:schemeClr val="accent1"/>
+          </a:effectRef>
+          <a:fontRef idx="minor">
+            <a:schemeClr val="tx1"/>
+          </a:fontRef>
+        </p:style>
+      </p:cxnSp>
+      <p:sp>
+        <p:nvSpPr>
+          <p:cNvPr id="21" name="文本框 20">
+            <a:extLst>
+              <a:ext uri="{FF2B5EF4-FFF2-40B4-BE49-F238E27FC236}">
+                <a16:creationId xmlns:a16="http://schemas.microsoft.com/office/drawing/2014/main" id="{F5226A2E-4104-48AC-88CB-581355F64822}"/>
+              </a:ext>
+            </a:extLst>
+          </p:cNvPr>
+          <p:cNvSpPr txBox="1"/>
+          <p:nvPr/>
+        </p:nvSpPr>
+        <p:spPr>
+          <a:xfrm>
+            <a:off x="2740407" y="2971249"/>
+            <a:ext cx="732030" cy="230832"/>
+          </a:xfrm>
+          <a:prstGeom prst="rect">
+            <a:avLst/>
+          </a:prstGeom>
+          <a:noFill/>
+        </p:spPr>
+        <p:txBody>
+          <a:bodyPr wrap="square" rtlCol="0">
+            <a:spAutoFit/>
+          </a:bodyPr>
+          <a:lstStyle/>
+          <a:p>
+            <a:pPr algn="r"/>
+            <a:r>
+              <a:rPr lang="en-US" altLang="zh-CN" sz="900" dirty="0"/>
+              <a:t>On-Chain</a:t>
+            </a:r>
+            <a:endParaRPr lang="zh-CN" altLang="en-US" sz="900" dirty="0"/>
+          </a:p>
+        </p:txBody>
+      </p:sp>
+      <p:sp>
+        <p:nvSpPr>
+          <p:cNvPr id="22" name="文本框 21">
+            <a:extLst>
+              <a:ext uri="{FF2B5EF4-FFF2-40B4-BE49-F238E27FC236}">
+                <a16:creationId xmlns:a16="http://schemas.microsoft.com/office/drawing/2014/main" id="{5DDE250A-19A7-49D4-ABF4-316CF22323A1}"/>
+              </a:ext>
+            </a:extLst>
+          </p:cNvPr>
+          <p:cNvSpPr txBox="1"/>
+          <p:nvPr/>
+        </p:nvSpPr>
+        <p:spPr>
+          <a:xfrm>
+            <a:off x="3535170" y="2971249"/>
+            <a:ext cx="732030" cy="230832"/>
+          </a:xfrm>
+          <a:prstGeom prst="rect">
+            <a:avLst/>
+          </a:prstGeom>
+          <a:noFill/>
+        </p:spPr>
+        <p:txBody>
+          <a:bodyPr wrap="square" rtlCol="0">
+            <a:spAutoFit/>
+          </a:bodyPr>
+          <a:lstStyle/>
+          <a:p>
+            <a:r>
+              <a:rPr lang="en-US" altLang="zh-CN" sz="900" dirty="0"/>
+              <a:t>Off-Chain</a:t>
+            </a:r>
+            <a:endParaRPr lang="zh-CN" altLang="en-US" sz="900" dirty="0"/>
+          </a:p>
+        </p:txBody>
+      </p:sp>
+      <p:sp>
+        <p:nvSpPr>
+          <p:cNvPr id="23" name="矩形 22">
+            <a:extLst>
+              <a:ext uri="{FF2B5EF4-FFF2-40B4-BE49-F238E27FC236}">
+                <a16:creationId xmlns:a16="http://schemas.microsoft.com/office/drawing/2014/main" id="{DA3D715B-61DA-4970-B855-7B6C37500755}"/>
+              </a:ext>
+            </a:extLst>
+          </p:cNvPr>
+          <p:cNvSpPr/>
+          <p:nvPr/>
+        </p:nvSpPr>
+        <p:spPr>
+          <a:xfrm>
+            <a:off x="3586446" y="1560696"/>
+            <a:ext cx="598503" cy="497429"/>
+          </a:xfrm>
+          <a:prstGeom prst="rect">
+            <a:avLst/>
+          </a:prstGeom>
+          <a:noFill/>
+          <a:ln w="6350"/>
         </p:spPr>
         <p:style>
           <a:lnRef idx="2">
@@ -3597,33 +3858,33 @@
           <a:p>
             <a:pPr algn="ctr"/>
             <a:r>
-              <a:rPr lang="en-US" altLang="zh-CN" dirty="0">
+              <a:rPr lang="en-US" altLang="zh-CN" sz="900" dirty="0">
                 <a:solidFill>
                   <a:schemeClr val="accent1"/>
                 </a:solidFill>
               </a:rPr>
-              <a:t>Withdrawal</a:t>
+              <a:t>Order</a:t>
             </a:r>
           </a:p>
           <a:p>
             <a:pPr algn="ctr"/>
             <a:r>
-              <a:rPr lang="en-US" altLang="zh-CN" dirty="0">
+              <a:rPr lang="en-US" altLang="zh-CN" sz="900" dirty="0">
                 <a:solidFill>
                   <a:schemeClr val="accent1"/>
                 </a:solidFill>
               </a:rPr>
-              <a:t>Application</a:t>
-            </a:r>
-          </a:p>
-        </p:txBody>
-      </p:sp>
-      <p:sp>
-        <p:nvSpPr>
-          <p:cNvPr id="12" name="左大括号 11">
-            <a:extLst>
-              <a:ext uri="{FF2B5EF4-FFF2-40B4-BE49-F238E27FC236}">
-                <a16:creationId xmlns:a16="http://schemas.microsoft.com/office/drawing/2014/main" id="{0BF4AB85-34D7-4958-AAFC-B34170816CDC}"/>
+              <a:t>Margin</a:t>
+            </a:r>
+          </a:p>
+        </p:txBody>
+      </p:sp>
+      <p:sp>
+        <p:nvSpPr>
+          <p:cNvPr id="25" name="左大括号 24">
+            <a:extLst>
+              <a:ext uri="{FF2B5EF4-FFF2-40B4-BE49-F238E27FC236}">
+                <a16:creationId xmlns:a16="http://schemas.microsoft.com/office/drawing/2014/main" id="{B4E1CC54-3A47-4C19-AA37-2A078CE2F638}"/>
               </a:ext>
             </a:extLst>
           </p:cNvPr>
@@ -3632,8 +3893,8 @@
         </p:nvSpPr>
         <p:spPr>
           <a:xfrm flipH="1">
-            <a:off x="5053782" y="1939372"/>
-            <a:ext cx="250135" cy="1741832"/>
+            <a:off x="4244270" y="2059520"/>
+            <a:ext cx="69276" cy="345543"/>
           </a:xfrm>
           <a:prstGeom prst="leftBrace">
             <a:avLst>
@@ -3661,16 +3922,16 @@
           <a:lstStyle/>
           <a:p>
             <a:pPr algn="ctr"/>
-            <a:endParaRPr lang="zh-CN" altLang="en-US"/>
-          </a:p>
-        </p:txBody>
-      </p:sp>
-      <p:sp>
-        <p:nvSpPr>
-          <p:cNvPr id="13" name="文本框 12">
-            <a:extLst>
-              <a:ext uri="{FF2B5EF4-FFF2-40B4-BE49-F238E27FC236}">
-                <a16:creationId xmlns:a16="http://schemas.microsoft.com/office/drawing/2014/main" id="{83C0B6B6-4AFA-43E4-BFAB-78FA33E48DAD}"/>
+            <a:endParaRPr lang="zh-CN" altLang="en-US" sz="900"/>
+          </a:p>
+        </p:txBody>
+      </p:sp>
+      <p:sp>
+        <p:nvSpPr>
+          <p:cNvPr id="26" name="文本框 25">
+            <a:extLst>
+              <a:ext uri="{FF2B5EF4-FFF2-40B4-BE49-F238E27FC236}">
+                <a16:creationId xmlns:a16="http://schemas.microsoft.com/office/drawing/2014/main" id="{CC9FC50C-20BE-4425-AA91-194B2AD2E5B4}"/>
               </a:ext>
             </a:extLst>
           </p:cNvPr>
@@ -3679,8 +3940,8 @@
         </p:nvSpPr>
         <p:spPr>
           <a:xfrm>
-            <a:off x="5317960" y="2460224"/>
-            <a:ext cx="2017917" cy="646331"/>
+            <a:off x="4304123" y="2049834"/>
+            <a:ext cx="637281" cy="369332"/>
           </a:xfrm>
           <a:prstGeom prst="rect">
             <a:avLst/>
@@ -3694,79 +3955,66 @@
           <a:lstStyle/>
           <a:p>
             <a:r>
-              <a:rPr lang="en-US" altLang="zh-CN" dirty="0" err="1"/>
-              <a:t>AvailableMargin</a:t>
-            </a:r>
-            <a:endParaRPr lang="en-US" altLang="zh-CN" dirty="0"/>
-          </a:p>
-          <a:p>
-            <a:r>
-              <a:rPr lang="en-US" altLang="zh-CN" dirty="0"/>
-              <a:t>(for new positions)</a:t>
-            </a:r>
-          </a:p>
-        </p:txBody>
-      </p:sp>
-      <p:sp>
-        <p:nvSpPr>
-          <p:cNvPr id="14" name="文本框 13">
-            <a:extLst>
-              <a:ext uri="{FF2B5EF4-FFF2-40B4-BE49-F238E27FC236}">
-                <a16:creationId xmlns:a16="http://schemas.microsoft.com/office/drawing/2014/main" id="{F109E515-C5C0-4B87-8A1B-620AD17D8FAF}"/>
-              </a:ext>
-            </a:extLst>
-          </p:cNvPr>
-          <p:cNvSpPr txBox="1"/>
+              <a:rPr lang="en-US" altLang="zh-CN" sz="900" dirty="0"/>
+              <a:t>Available</a:t>
+            </a:r>
+          </a:p>
+          <a:p>
+            <a:r>
+              <a:rPr lang="en-US" altLang="zh-CN" sz="900" dirty="0"/>
+              <a:t>Balance</a:t>
+            </a:r>
+          </a:p>
+        </p:txBody>
+      </p:sp>
+      <p:cxnSp>
+        <p:nvCxnSpPr>
+          <p:cNvPr id="27" name="直接连接符 26">
+            <a:extLst>
+              <a:ext uri="{FF2B5EF4-FFF2-40B4-BE49-F238E27FC236}">
+                <a16:creationId xmlns:a16="http://schemas.microsoft.com/office/drawing/2014/main" id="{43C6497D-8D28-4316-86CB-CE879BE2A29B}"/>
+              </a:ext>
+            </a:extLst>
+          </p:cNvPr>
+          <p:cNvCxnSpPr>
+            <a:cxnSpLocks/>
+            <a:endCxn id="25" idx="2"/>
+          </p:cNvCxnSpPr>
           <p:nvPr/>
-        </p:nvSpPr>
-        <p:spPr>
-          <a:xfrm>
-            <a:off x="4958813" y="4588038"/>
-            <a:ext cx="1523588" cy="923330"/>
-          </a:xfrm>
-          <a:prstGeom prst="rect">
+        </p:nvCxnSpPr>
+        <p:spPr>
+          <a:xfrm>
+            <a:off x="2332079" y="2405063"/>
+            <a:ext cx="1912191" cy="0"/>
+          </a:xfrm>
+          <a:prstGeom prst="line">
             <a:avLst/>
           </a:prstGeom>
-          <a:noFill/>
-        </p:spPr>
-        <p:txBody>
-          <a:bodyPr wrap="square" rtlCol="0">
-            <a:spAutoFit/>
-          </a:bodyPr>
-          <a:lstStyle/>
-          <a:p>
-            <a:r>
-              <a:rPr lang="en-US" altLang="zh-CN" dirty="0" err="1"/>
-              <a:t>MarkPrice</a:t>
-            </a:r>
-            <a:r>
-              <a:rPr lang="en-US" altLang="zh-CN" dirty="0"/>
-              <a:t> * </a:t>
-            </a:r>
-            <a:r>
-              <a:rPr lang="en-US" altLang="zh-CN" dirty="0" err="1"/>
-              <a:t>PositionSize</a:t>
-            </a:r>
-            <a:r>
-              <a:rPr lang="en-US" altLang="zh-CN" dirty="0"/>
-              <a:t> *</a:t>
-            </a:r>
-          </a:p>
-          <a:p>
-            <a:r>
-              <a:rPr lang="en-US" altLang="zh-CN" dirty="0" err="1"/>
-              <a:t>IMRate</a:t>
-            </a:r>
-            <a:endParaRPr lang="en-US" altLang="zh-CN" dirty="0"/>
-          </a:p>
-        </p:txBody>
-      </p:sp>
-      <p:sp>
-        <p:nvSpPr>
-          <p:cNvPr id="19" name="左大括号 18">
-            <a:extLst>
-              <a:ext uri="{FF2B5EF4-FFF2-40B4-BE49-F238E27FC236}">
-                <a16:creationId xmlns:a16="http://schemas.microsoft.com/office/drawing/2014/main" id="{88766F89-97B9-4AE4-9ED2-D14C52348527}"/>
+          <a:ln>
+            <a:prstDash val="lgDash"/>
+          </a:ln>
+        </p:spPr>
+        <p:style>
+          <a:lnRef idx="1">
+            <a:schemeClr val="accent1"/>
+          </a:lnRef>
+          <a:fillRef idx="0">
+            <a:schemeClr val="accent1"/>
+          </a:fillRef>
+          <a:effectRef idx="0">
+            <a:schemeClr val="accent1"/>
+          </a:effectRef>
+          <a:fontRef idx="minor">
+            <a:schemeClr val="tx1"/>
+          </a:fontRef>
+        </p:style>
+      </p:cxnSp>
+      <p:sp>
+        <p:nvSpPr>
+          <p:cNvPr id="30" name="左大括号 29">
+            <a:extLst>
+              <a:ext uri="{FF2B5EF4-FFF2-40B4-BE49-F238E27FC236}">
+                <a16:creationId xmlns:a16="http://schemas.microsoft.com/office/drawing/2014/main" id="{86805720-2AF3-4BAC-8DF5-D173DD68BB77}"/>
               </a:ext>
             </a:extLst>
           </p:cNvPr>
@@ -3774,9 +4022,9 @@
           <p:nvPr/>
         </p:nvSpPr>
         <p:spPr>
-          <a:xfrm flipH="1">
-            <a:off x="5053781" y="3681204"/>
-            <a:ext cx="250135" cy="862363"/>
+          <a:xfrm>
+            <a:off x="974798" y="1552627"/>
+            <a:ext cx="134107" cy="1360287"/>
           </a:xfrm>
           <a:prstGeom prst="leftBrace">
             <a:avLst>
@@ -3804,16 +4052,16 @@
           <a:lstStyle/>
           <a:p>
             <a:pPr algn="ctr"/>
-            <a:endParaRPr lang="zh-CN" altLang="en-US"/>
-          </a:p>
-        </p:txBody>
-      </p:sp>
-      <p:sp>
-        <p:nvSpPr>
-          <p:cNvPr id="20" name="文本框 19">
-            <a:extLst>
-              <a:ext uri="{FF2B5EF4-FFF2-40B4-BE49-F238E27FC236}">
-                <a16:creationId xmlns:a16="http://schemas.microsoft.com/office/drawing/2014/main" id="{F5C735D2-739A-4C40-ADE6-E8B003CB6B5F}"/>
+            <a:endParaRPr lang="zh-CN" altLang="en-US" sz="900"/>
+          </a:p>
+        </p:txBody>
+      </p:sp>
+      <p:sp>
+        <p:nvSpPr>
+          <p:cNvPr id="31" name="文本框 30">
+            <a:extLst>
+              <a:ext uri="{FF2B5EF4-FFF2-40B4-BE49-F238E27FC236}">
+                <a16:creationId xmlns:a16="http://schemas.microsoft.com/office/drawing/2014/main" id="{840AE640-8512-410A-9FBC-C2D2961870DE}"/>
               </a:ext>
             </a:extLst>
           </p:cNvPr>
@@ -3822,8 +4070,8 @@
         </p:nvSpPr>
         <p:spPr>
           <a:xfrm>
-            <a:off x="5317961" y="3926624"/>
-            <a:ext cx="2323255" cy="369332"/>
+            <a:off x="396639" y="2048359"/>
+            <a:ext cx="587294" cy="369332"/>
           </a:xfrm>
           <a:prstGeom prst="rect">
             <a:avLst/>
@@ -3836,501 +4084,17 @@
           </a:bodyPr>
           <a:lstStyle/>
           <a:p>
-            <a:r>
-              <a:rPr lang="en-US" altLang="zh-CN" dirty="0" err="1"/>
-              <a:t>WithdrawableBalance</a:t>
-            </a:r>
-            <a:endParaRPr lang="en-US" altLang="zh-CN" dirty="0"/>
-          </a:p>
-        </p:txBody>
-      </p:sp>
-      <p:cxnSp>
-        <p:nvCxnSpPr>
-          <p:cNvPr id="3" name="直接连接符 2">
-            <a:extLst>
-              <a:ext uri="{FF2B5EF4-FFF2-40B4-BE49-F238E27FC236}">
-                <a16:creationId xmlns:a16="http://schemas.microsoft.com/office/drawing/2014/main" id="{98842237-1E6B-4510-B18A-8C509E4D6B01}"/>
-              </a:ext>
-            </a:extLst>
-          </p:cNvPr>
-          <p:cNvCxnSpPr>
-            <a:cxnSpLocks/>
-          </p:cNvCxnSpPr>
-          <p:nvPr/>
-        </p:nvCxnSpPr>
-        <p:spPr>
-          <a:xfrm>
-            <a:off x="7637155" y="1878682"/>
-            <a:ext cx="0" cy="4425641"/>
-          </a:xfrm>
-          <a:prstGeom prst="line">
-            <a:avLst/>
-          </a:prstGeom>
-          <a:ln>
-            <a:prstDash val="lgDash"/>
-          </a:ln>
-        </p:spPr>
-        <p:style>
-          <a:lnRef idx="1">
-            <a:schemeClr val="accent1"/>
-          </a:lnRef>
-          <a:fillRef idx="0">
-            <a:schemeClr val="accent1"/>
-          </a:fillRef>
-          <a:effectRef idx="0">
-            <a:schemeClr val="accent1"/>
-          </a:effectRef>
-          <a:fontRef idx="minor">
-            <a:schemeClr val="tx1"/>
-          </a:fontRef>
-        </p:style>
-      </p:cxnSp>
-      <p:sp>
-        <p:nvSpPr>
-          <p:cNvPr id="21" name="文本框 20">
-            <a:extLst>
-              <a:ext uri="{FF2B5EF4-FFF2-40B4-BE49-F238E27FC236}">
-                <a16:creationId xmlns:a16="http://schemas.microsoft.com/office/drawing/2014/main" id="{F5226A2E-4104-48AC-88CB-581355F64822}"/>
-              </a:ext>
-            </a:extLst>
-          </p:cNvPr>
-          <p:cNvSpPr txBox="1"/>
-          <p:nvPr/>
-        </p:nvSpPr>
-        <p:spPr>
-          <a:xfrm>
-            <a:off x="6240012" y="5946168"/>
-            <a:ext cx="1307527" cy="369332"/>
-          </a:xfrm>
-          <a:prstGeom prst="rect">
-            <a:avLst/>
-          </a:prstGeom>
-          <a:noFill/>
-        </p:spPr>
-        <p:txBody>
-          <a:bodyPr wrap="square" rtlCol="0">
-            <a:spAutoFit/>
-          </a:bodyPr>
-          <a:lstStyle/>
-          <a:p>
             <a:pPr algn="r"/>
             <a:r>
-              <a:rPr lang="en-US" altLang="zh-CN" dirty="0"/>
-              <a:t>On-Chain</a:t>
-            </a:r>
-            <a:endParaRPr lang="zh-CN" altLang="en-US" dirty="0"/>
-          </a:p>
-        </p:txBody>
-      </p:sp>
-      <p:sp>
-        <p:nvSpPr>
-          <p:cNvPr id="22" name="文本框 21">
-            <a:extLst>
-              <a:ext uri="{FF2B5EF4-FFF2-40B4-BE49-F238E27FC236}">
-                <a16:creationId xmlns:a16="http://schemas.microsoft.com/office/drawing/2014/main" id="{5DDE250A-19A7-49D4-ABF4-316CF22323A1}"/>
-              </a:ext>
-            </a:extLst>
-          </p:cNvPr>
-          <p:cNvSpPr txBox="1"/>
-          <p:nvPr/>
-        </p:nvSpPr>
-        <p:spPr>
-          <a:xfrm>
-            <a:off x="7693472" y="5946168"/>
-            <a:ext cx="1239566" cy="369332"/>
-          </a:xfrm>
-          <a:prstGeom prst="rect">
-            <a:avLst/>
-          </a:prstGeom>
-          <a:noFill/>
-        </p:spPr>
-        <p:txBody>
-          <a:bodyPr wrap="square" rtlCol="0">
-            <a:spAutoFit/>
-          </a:bodyPr>
-          <a:lstStyle/>
-          <a:p>
-            <a:r>
-              <a:rPr lang="en-US" altLang="zh-CN" dirty="0"/>
-              <a:t>Off-Chain</a:t>
-            </a:r>
-            <a:endParaRPr lang="zh-CN" altLang="en-US" dirty="0"/>
-          </a:p>
-        </p:txBody>
-      </p:sp>
-      <p:sp>
-        <p:nvSpPr>
-          <p:cNvPr id="23" name="矩形 22">
-            <a:extLst>
-              <a:ext uri="{FF2B5EF4-FFF2-40B4-BE49-F238E27FC236}">
-                <a16:creationId xmlns:a16="http://schemas.microsoft.com/office/drawing/2014/main" id="{DA3D715B-61DA-4970-B855-7B6C37500755}"/>
-              </a:ext>
-            </a:extLst>
-          </p:cNvPr>
-          <p:cNvSpPr/>
-          <p:nvPr/>
-        </p:nvSpPr>
-        <p:spPr>
-          <a:xfrm>
-            <a:off x="7857075" y="1958143"/>
-            <a:ext cx="1114430" cy="1157155"/>
-          </a:xfrm>
-          <a:prstGeom prst="rect">
-            <a:avLst/>
-          </a:prstGeom>
-          <a:noFill/>
-        </p:spPr>
-        <p:style>
-          <a:lnRef idx="2">
-            <a:schemeClr val="accent1">
-              <a:shade val="50000"/>
-            </a:schemeClr>
-          </a:lnRef>
-          <a:fillRef idx="1">
-            <a:schemeClr val="accent1"/>
-          </a:fillRef>
-          <a:effectRef idx="0">
-            <a:schemeClr val="accent1"/>
-          </a:effectRef>
-          <a:fontRef idx="minor">
-            <a:schemeClr val="lt1"/>
-          </a:fontRef>
-        </p:style>
-        <p:txBody>
-          <a:bodyPr rtlCol="0" anchor="ctr"/>
-          <a:lstStyle/>
-          <a:p>
-            <a:pPr algn="ctr"/>
-            <a:r>
-              <a:rPr lang="en-US" altLang="zh-CN" dirty="0">
-                <a:solidFill>
-                  <a:schemeClr val="accent1"/>
-                </a:solidFill>
-              </a:rPr>
-              <a:t>Order</a:t>
-            </a:r>
-          </a:p>
-          <a:p>
-            <a:pPr algn="ctr"/>
-            <a:r>
-              <a:rPr lang="en-US" altLang="zh-CN" dirty="0">
-                <a:solidFill>
-                  <a:schemeClr val="accent1"/>
-                </a:solidFill>
-              </a:rPr>
+              <a:rPr lang="en-US" altLang="zh-CN" sz="900" dirty="0"/>
               <a:t>Margin</a:t>
             </a:r>
           </a:p>
-        </p:txBody>
-      </p:sp>
-      <p:sp>
-        <p:nvSpPr>
-          <p:cNvPr id="25" name="左大括号 24">
-            <a:extLst>
-              <a:ext uri="{FF2B5EF4-FFF2-40B4-BE49-F238E27FC236}">
-                <a16:creationId xmlns:a16="http://schemas.microsoft.com/office/drawing/2014/main" id="{B4E1CC54-3A47-4C19-AA37-2A078CE2F638}"/>
-              </a:ext>
-            </a:extLst>
-          </p:cNvPr>
-          <p:cNvSpPr/>
-          <p:nvPr/>
-        </p:nvSpPr>
-        <p:spPr>
-          <a:xfrm flipH="1">
-            <a:off x="9088210" y="3118544"/>
-            <a:ext cx="161154" cy="577708"/>
-          </a:xfrm>
-          <a:prstGeom prst="leftBrace">
-            <a:avLst>
-              <a:gd name="adj1" fmla="val 94760"/>
-              <a:gd name="adj2" fmla="val 50000"/>
-            </a:avLst>
-          </a:prstGeom>
-        </p:spPr>
-        <p:style>
-          <a:lnRef idx="1">
-            <a:schemeClr val="accent1"/>
-          </a:lnRef>
-          <a:fillRef idx="0">
-            <a:schemeClr val="accent1"/>
-          </a:fillRef>
-          <a:effectRef idx="0">
-            <a:schemeClr val="accent1"/>
-          </a:effectRef>
-          <a:fontRef idx="minor">
-            <a:schemeClr val="tx1"/>
-          </a:fontRef>
-        </p:style>
-        <p:txBody>
-          <a:bodyPr rtlCol="0" anchor="ctr"/>
-          <a:lstStyle/>
-          <a:p>
-            <a:pPr algn="ctr"/>
-            <a:endParaRPr lang="zh-CN" altLang="en-US"/>
-          </a:p>
-        </p:txBody>
-      </p:sp>
-      <p:sp>
-        <p:nvSpPr>
-          <p:cNvPr id="26" name="文本框 25">
-            <a:extLst>
-              <a:ext uri="{FF2B5EF4-FFF2-40B4-BE49-F238E27FC236}">
-                <a16:creationId xmlns:a16="http://schemas.microsoft.com/office/drawing/2014/main" id="{CC9FC50C-20BE-4425-AA91-194B2AD2E5B4}"/>
-              </a:ext>
-            </a:extLst>
-          </p:cNvPr>
-          <p:cNvSpPr txBox="1"/>
-          <p:nvPr/>
-        </p:nvSpPr>
-        <p:spPr>
-          <a:xfrm>
-            <a:off x="9299360" y="3049921"/>
-            <a:ext cx="1523588" cy="646331"/>
-          </a:xfrm>
-          <a:prstGeom prst="rect">
-            <a:avLst/>
-          </a:prstGeom>
-          <a:noFill/>
-        </p:spPr>
-        <p:txBody>
-          <a:bodyPr wrap="square" rtlCol="0">
-            <a:spAutoFit/>
-          </a:bodyPr>
-          <a:lstStyle/>
-          <a:p>
-            <a:r>
-              <a:rPr lang="en-US" altLang="zh-CN" dirty="0"/>
-              <a:t>Available</a:t>
-            </a:r>
-          </a:p>
-          <a:p>
-            <a:r>
-              <a:rPr lang="en-US" altLang="zh-CN" dirty="0"/>
+          <a:p>
+            <a:pPr algn="r"/>
+            <a:r>
+              <a:rPr lang="en-US" altLang="zh-CN" sz="900" dirty="0"/>
               <a:t>Balance</a:t>
-            </a:r>
-          </a:p>
-        </p:txBody>
-      </p:sp>
-      <p:cxnSp>
-        <p:nvCxnSpPr>
-          <p:cNvPr id="27" name="直接连接符 26">
-            <a:extLst>
-              <a:ext uri="{FF2B5EF4-FFF2-40B4-BE49-F238E27FC236}">
-                <a16:creationId xmlns:a16="http://schemas.microsoft.com/office/drawing/2014/main" id="{43C6497D-8D28-4316-86CB-CE879BE2A29B}"/>
-              </a:ext>
-            </a:extLst>
-          </p:cNvPr>
-          <p:cNvCxnSpPr>
-            <a:cxnSpLocks/>
-            <a:stCxn id="19" idx="0"/>
-          </p:cNvCxnSpPr>
-          <p:nvPr/>
-        </p:nvCxnSpPr>
-        <p:spPr>
-          <a:xfrm>
-            <a:off x="5053781" y="3681204"/>
-            <a:ext cx="5344288" cy="0"/>
-          </a:xfrm>
-          <a:prstGeom prst="line">
-            <a:avLst/>
-          </a:prstGeom>
-          <a:ln>
-            <a:prstDash val="lgDash"/>
-          </a:ln>
-        </p:spPr>
-        <p:style>
-          <a:lnRef idx="1">
-            <a:schemeClr val="accent1"/>
-          </a:lnRef>
-          <a:fillRef idx="0">
-            <a:schemeClr val="accent1"/>
-          </a:fillRef>
-          <a:effectRef idx="0">
-            <a:schemeClr val="accent1"/>
-          </a:effectRef>
-          <a:fontRef idx="minor">
-            <a:schemeClr val="tx1"/>
-          </a:fontRef>
-        </p:style>
-      </p:cxnSp>
-      <p:sp>
-        <p:nvSpPr>
-          <p:cNvPr id="30" name="左大括号 29">
-            <a:extLst>
-              <a:ext uri="{FF2B5EF4-FFF2-40B4-BE49-F238E27FC236}">
-                <a16:creationId xmlns:a16="http://schemas.microsoft.com/office/drawing/2014/main" id="{86805720-2AF3-4BAC-8DF5-D173DD68BB77}"/>
-              </a:ext>
-            </a:extLst>
-          </p:cNvPr>
-          <p:cNvSpPr/>
-          <p:nvPr/>
-        </p:nvSpPr>
-        <p:spPr>
-          <a:xfrm>
-            <a:off x="1737355" y="1939372"/>
-            <a:ext cx="311969" cy="3617844"/>
-          </a:xfrm>
-          <a:prstGeom prst="leftBrace">
-            <a:avLst>
-              <a:gd name="adj1" fmla="val 94760"/>
-              <a:gd name="adj2" fmla="val 50000"/>
-            </a:avLst>
-          </a:prstGeom>
-        </p:spPr>
-        <p:style>
-          <a:lnRef idx="1">
-            <a:schemeClr val="accent1"/>
-          </a:lnRef>
-          <a:fillRef idx="0">
-            <a:schemeClr val="accent1"/>
-          </a:fillRef>
-          <a:effectRef idx="0">
-            <a:schemeClr val="accent1"/>
-          </a:effectRef>
-          <a:fontRef idx="minor">
-            <a:schemeClr val="tx1"/>
-          </a:fontRef>
-        </p:style>
-        <p:txBody>
-          <a:bodyPr rtlCol="0" anchor="ctr"/>
-          <a:lstStyle/>
-          <a:p>
-            <a:pPr algn="ctr"/>
-            <a:endParaRPr lang="zh-CN" altLang="en-US"/>
-          </a:p>
-        </p:txBody>
-      </p:sp>
-      <p:sp>
-        <p:nvSpPr>
-          <p:cNvPr id="31" name="文本框 30">
-            <a:extLst>
-              <a:ext uri="{FF2B5EF4-FFF2-40B4-BE49-F238E27FC236}">
-                <a16:creationId xmlns:a16="http://schemas.microsoft.com/office/drawing/2014/main" id="{840AE640-8512-410A-9FBC-C2D2961870DE}"/>
-              </a:ext>
-            </a:extLst>
-          </p:cNvPr>
-          <p:cNvSpPr txBox="1"/>
-          <p:nvPr/>
-        </p:nvSpPr>
-        <p:spPr>
-          <a:xfrm>
-            <a:off x="399835" y="3441707"/>
-            <a:ext cx="1252672" cy="646331"/>
-          </a:xfrm>
-          <a:prstGeom prst="rect">
-            <a:avLst/>
-          </a:prstGeom>
-          <a:noFill/>
-        </p:spPr>
-        <p:txBody>
-          <a:bodyPr wrap="square" rtlCol="0">
-            <a:spAutoFit/>
-          </a:bodyPr>
-          <a:lstStyle/>
-          <a:p>
-            <a:pPr algn="r"/>
-            <a:r>
-              <a:rPr lang="en-US" altLang="zh-CN" dirty="0"/>
-              <a:t>Margin</a:t>
-            </a:r>
-          </a:p>
-          <a:p>
-            <a:pPr algn="r"/>
-            <a:r>
-              <a:rPr lang="en-US" altLang="zh-CN" dirty="0"/>
-              <a:t>Balance</a:t>
-            </a:r>
-          </a:p>
-        </p:txBody>
-      </p:sp>
-      <p:cxnSp>
-        <p:nvCxnSpPr>
-          <p:cNvPr id="18" name="直接箭头连接符 17">
-            <a:extLst>
-              <a:ext uri="{FF2B5EF4-FFF2-40B4-BE49-F238E27FC236}">
-                <a16:creationId xmlns:a16="http://schemas.microsoft.com/office/drawing/2014/main" id="{D5E32D2A-3839-4B75-96C1-8E231C0AFFC0}"/>
-              </a:ext>
-            </a:extLst>
-          </p:cNvPr>
-          <p:cNvCxnSpPr>
-            <a:cxnSpLocks/>
-            <a:endCxn id="33" idx="2"/>
-          </p:cNvCxnSpPr>
-          <p:nvPr/>
-        </p:nvCxnSpPr>
-        <p:spPr>
-          <a:xfrm flipV="1">
-            <a:off x="4377775" y="2137786"/>
-            <a:ext cx="639" cy="1543418"/>
-          </a:xfrm>
-          <a:prstGeom prst="straightConnector1">
-            <a:avLst/>
-          </a:prstGeom>
-          <a:ln>
-            <a:solidFill>
-              <a:schemeClr val="accent1">
-                <a:lumMod val="40000"/>
-                <a:lumOff val="60000"/>
-              </a:schemeClr>
-            </a:solidFill>
-            <a:prstDash val="lgDash"/>
-            <a:tailEnd type="triangle"/>
-          </a:ln>
-        </p:spPr>
-        <p:style>
-          <a:lnRef idx="1">
-            <a:schemeClr val="accent1"/>
-          </a:lnRef>
-          <a:fillRef idx="0">
-            <a:schemeClr val="accent1"/>
-          </a:fillRef>
-          <a:effectRef idx="0">
-            <a:schemeClr val="accent1"/>
-          </a:effectRef>
-          <a:fontRef idx="minor">
-            <a:schemeClr val="tx1"/>
-          </a:fontRef>
-        </p:style>
-      </p:cxnSp>
-      <p:sp>
-        <p:nvSpPr>
-          <p:cNvPr id="33" name="文本框 32">
-            <a:extLst>
-              <a:ext uri="{FF2B5EF4-FFF2-40B4-BE49-F238E27FC236}">
-                <a16:creationId xmlns:a16="http://schemas.microsoft.com/office/drawing/2014/main" id="{E2787B4F-14A2-41A3-B63A-64B4FE7DC793}"/>
-              </a:ext>
-            </a:extLst>
-          </p:cNvPr>
-          <p:cNvSpPr txBox="1"/>
-          <p:nvPr/>
-        </p:nvSpPr>
-        <p:spPr>
-          <a:xfrm>
-            <a:off x="3698958" y="1922342"/>
-            <a:ext cx="1358911" cy="215444"/>
-          </a:xfrm>
-          <a:prstGeom prst="rect">
-            <a:avLst/>
-          </a:prstGeom>
-          <a:noFill/>
-        </p:spPr>
-        <p:txBody>
-          <a:bodyPr wrap="square" rtlCol="0">
-            <a:spAutoFit/>
-          </a:bodyPr>
-          <a:lstStyle/>
-          <a:p>
-            <a:pPr algn="ctr"/>
-            <a:r>
-              <a:rPr lang="en-US" altLang="zh-CN" sz="800" dirty="0">
-                <a:solidFill>
-                  <a:schemeClr val="accent1">
-                    <a:lumMod val="40000"/>
-                    <a:lumOff val="60000"/>
-                  </a:schemeClr>
-                </a:solidFill>
-              </a:rPr>
-              <a:t>Can reach here</a:t>
             </a:r>
           </a:p>
         </p:txBody>
@@ -4379,8 +4143,8 @@
         </p:nvSpPr>
         <p:spPr>
           <a:xfrm>
-            <a:off x="2502609" y="1261025"/>
-            <a:ext cx="7015860" cy="369332"/>
+            <a:off x="2502610" y="1261025"/>
+            <a:ext cx="3149714" cy="103630"/>
           </a:xfrm>
           <a:prstGeom prst="rect">
             <a:avLst/>
@@ -4395,30 +4159,30 @@
           <a:p>
             <a:pPr algn="ctr"/>
             <a:r>
-              <a:rPr lang="en-US" altLang="zh-CN" dirty="0"/>
+              <a:rPr lang="en-US" altLang="zh-CN" sz="900" dirty="0"/>
               <a:t>When PNL2 &lt; 0, </a:t>
             </a:r>
             <a:r>
-              <a:rPr lang="en-US" altLang="zh-CN" dirty="0" err="1"/>
+              <a:rPr lang="en-US" altLang="zh-CN" sz="900" dirty="0" err="1"/>
               <a:t>MarginBalance</a:t>
             </a:r>
             <a:r>
-              <a:rPr lang="zh-CN" altLang="en-US" dirty="0"/>
+              <a:rPr lang="zh-CN" altLang="en-US" sz="900" dirty="0"/>
               <a:t> </a:t>
             </a:r>
             <a:r>
-              <a:rPr lang="en-US" altLang="zh-CN" dirty="0"/>
+              <a:rPr lang="en-US" altLang="zh-CN" sz="900" dirty="0"/>
               <a:t>&gt;</a:t>
             </a:r>
             <a:r>
-              <a:rPr lang="zh-CN" altLang="en-US" dirty="0"/>
+              <a:rPr lang="zh-CN" altLang="en-US" sz="900" dirty="0"/>
               <a:t> </a:t>
             </a:r>
             <a:r>
-              <a:rPr lang="en-US" altLang="zh-CN" dirty="0"/>
+              <a:rPr lang="en-US" altLang="zh-CN" sz="900" dirty="0"/>
               <a:t>IM</a:t>
             </a:r>
-            <a:endParaRPr lang="zh-CN" altLang="en-US" dirty="0"/>
+            <a:endParaRPr lang="zh-CN" altLang="en-US" sz="900" dirty="0"/>
           </a:p>
         </p:txBody>
       </p:sp>
@@ -4436,8 +4200,8 @@
         </p:nvSpPr>
         <p:spPr>
           <a:xfrm>
-            <a:off x="5215992" y="1940316"/>
-            <a:ext cx="996124" cy="2175427"/>
+            <a:off x="3720762" y="1565987"/>
+            <a:ext cx="447202" cy="976641"/>
           </a:xfrm>
           <a:prstGeom prst="rect">
             <a:avLst/>
@@ -4448,6 +4212,7 @@
               <a:lumOff val="60000"/>
             </a:schemeClr>
           </a:solidFill>
+          <a:ln w="6350"/>
         </p:spPr>
         <p:style>
           <a:lnRef idx="2">
@@ -4471,14 +4236,25 @@
           <a:p>
             <a:pPr algn="ctr"/>
             <a:r>
-              <a:rPr lang="en-US" altLang="zh-CN" dirty="0">
+              <a:rPr lang="en-US" altLang="zh-CN" sz="900" dirty="0">
                 <a:solidFill>
                   <a:schemeClr val="accent2"/>
                 </a:solidFill>
               </a:rPr>
               <a:t>PNL2</a:t>
             </a:r>
-            <a:endParaRPr lang="zh-CN" altLang="en-US" dirty="0">
+          </a:p>
+          <a:p>
+            <a:pPr algn="ctr"/>
+            <a:r>
+              <a:rPr lang="en-US" altLang="zh-CN" sz="900" dirty="0">
+                <a:solidFill>
+                  <a:schemeClr val="accent2"/>
+                </a:solidFill>
+              </a:rPr>
+              <a:t>&lt; 0</a:t>
+            </a:r>
+            <a:endParaRPr lang="zh-CN" altLang="en-US" sz="900" dirty="0">
               <a:solidFill>
                 <a:schemeClr val="accent2"/>
               </a:solidFill>
@@ -4500,13 +4276,14 @@
         </p:nvSpPr>
         <p:spPr>
           <a:xfrm>
-            <a:off x="2502610" y="1939372"/>
-            <a:ext cx="2713383" cy="3617843"/>
+            <a:off x="2502610" y="1565563"/>
+            <a:ext cx="1218152" cy="1624202"/>
           </a:xfrm>
           <a:prstGeom prst="rect">
             <a:avLst/>
           </a:prstGeom>
           <a:noFill/>
+          <a:ln w="6350"/>
         </p:spPr>
         <p:style>
           <a:lnRef idx="2">
@@ -4529,7 +4306,7 @@
           <a:lstStyle/>
           <a:p>
             <a:r>
-              <a:rPr lang="en-US" altLang="zh-CN" dirty="0">
+              <a:rPr lang="en-US" altLang="zh-CN" sz="900" dirty="0">
                 <a:solidFill>
                   <a:schemeClr val="accent1"/>
                 </a:solidFill>
@@ -4539,7 +4316,7 @@
           </a:p>
           <a:p>
             <a:r>
-              <a:rPr lang="en-US" altLang="zh-CN" dirty="0">
+              <a:rPr lang="en-US" altLang="zh-CN" sz="900" dirty="0">
                 <a:solidFill>
                   <a:schemeClr val="accent1"/>
                 </a:solidFill>
@@ -4563,13 +4340,14 @@
         </p:nvSpPr>
         <p:spPr>
           <a:xfrm>
-            <a:off x="3675428" y="4548395"/>
-            <a:ext cx="1540563" cy="1008820"/>
+            <a:off x="3029138" y="2736864"/>
+            <a:ext cx="691623" cy="452902"/>
           </a:xfrm>
           <a:prstGeom prst="rect">
             <a:avLst/>
           </a:prstGeom>
           <a:noFill/>
+          <a:ln w="6350"/>
         </p:spPr>
         <p:style>
           <a:lnRef idx="2">
@@ -4593,7 +4371,7 @@
           <a:p>
             <a:pPr algn="ctr"/>
             <a:r>
-              <a:rPr lang="en-US" altLang="zh-CN" dirty="0">
+              <a:rPr lang="en-US" altLang="zh-CN" sz="900" dirty="0">
                 <a:solidFill>
                   <a:schemeClr val="accent1"/>
                 </a:solidFill>
@@ -4604,7 +4382,7 @@
           <a:p>
             <a:pPr algn="ctr"/>
             <a:r>
-              <a:rPr lang="en-US" altLang="zh-CN" dirty="0">
+              <a:rPr lang="en-US" altLang="zh-CN" sz="900" dirty="0">
                 <a:solidFill>
                   <a:schemeClr val="accent1"/>
                 </a:solidFill>
@@ -4616,91 +4394,26 @@
       </p:sp>
       <p:sp>
         <p:nvSpPr>
-          <p:cNvPr id="9" name="矩形 8">
-            <a:extLst>
-              <a:ext uri="{FF2B5EF4-FFF2-40B4-BE49-F238E27FC236}">
-                <a16:creationId xmlns:a16="http://schemas.microsoft.com/office/drawing/2014/main" id="{C1C9DD37-D31D-4FB6-94BC-346F573D8DAA}"/>
-              </a:ext>
-            </a:extLst>
-          </p:cNvPr>
-          <p:cNvSpPr/>
+          <p:cNvPr id="10" name="文本框 9">
+            <a:extLst>
+              <a:ext uri="{FF2B5EF4-FFF2-40B4-BE49-F238E27FC236}">
+                <a16:creationId xmlns:a16="http://schemas.microsoft.com/office/drawing/2014/main" id="{FF096631-C90F-44DA-ADB4-15F32ED97CEE}"/>
+              </a:ext>
+            </a:extLst>
+          </p:cNvPr>
+          <p:cNvSpPr txBox="1"/>
           <p:nvPr/>
         </p:nvSpPr>
         <p:spPr>
           <a:xfrm>
-            <a:off x="3675428" y="3681203"/>
-            <a:ext cx="1535199" cy="867192"/>
+            <a:off x="5250091" y="2679949"/>
+            <a:ext cx="610959" cy="369332"/>
           </a:xfrm>
           <a:prstGeom prst="rect">
             <a:avLst/>
           </a:prstGeom>
           <a:noFill/>
         </p:spPr>
-        <p:style>
-          <a:lnRef idx="2">
-            <a:schemeClr val="accent1">
-              <a:shade val="50000"/>
-            </a:schemeClr>
-          </a:lnRef>
-          <a:fillRef idx="1">
-            <a:schemeClr val="accent1"/>
-          </a:fillRef>
-          <a:effectRef idx="0">
-            <a:schemeClr val="accent1"/>
-          </a:effectRef>
-          <a:fontRef idx="minor">
-            <a:schemeClr val="lt1"/>
-          </a:fontRef>
-        </p:style>
-        <p:txBody>
-          <a:bodyPr rtlCol="0" anchor="ctr"/>
-          <a:lstStyle/>
-          <a:p>
-            <a:pPr algn="ctr"/>
-            <a:r>
-              <a:rPr lang="en-US" altLang="zh-CN" dirty="0">
-                <a:solidFill>
-                  <a:schemeClr val="accent1"/>
-                </a:solidFill>
-              </a:rPr>
-              <a:t>Withdrawal</a:t>
-            </a:r>
-          </a:p>
-          <a:p>
-            <a:pPr algn="ctr"/>
-            <a:r>
-              <a:rPr lang="en-US" altLang="zh-CN" dirty="0">
-                <a:solidFill>
-                  <a:schemeClr val="accent1"/>
-                </a:solidFill>
-              </a:rPr>
-              <a:t>Application</a:t>
-            </a:r>
-          </a:p>
-        </p:txBody>
-      </p:sp>
-      <p:sp>
-        <p:nvSpPr>
-          <p:cNvPr id="10" name="文本框 9">
-            <a:extLst>
-              <a:ext uri="{FF2B5EF4-FFF2-40B4-BE49-F238E27FC236}">
-                <a16:creationId xmlns:a16="http://schemas.microsoft.com/office/drawing/2014/main" id="{FF096631-C90F-44DA-ADB4-15F32ED97CEE}"/>
-              </a:ext>
-            </a:extLst>
-          </p:cNvPr>
-          <p:cNvSpPr txBox="1"/>
-          <p:nvPr/>
-        </p:nvSpPr>
-        <p:spPr>
-          <a:xfrm>
-            <a:off x="8679087" y="4513559"/>
-            <a:ext cx="1010303" cy="646331"/>
-          </a:xfrm>
-          <a:prstGeom prst="rect">
-            <a:avLst/>
-          </a:prstGeom>
-          <a:noFill/>
-        </p:spPr>
         <p:txBody>
           <a:bodyPr wrap="square" rtlCol="0">
             <a:spAutoFit/>
@@ -4708,13 +4421,13 @@
           <a:lstStyle/>
           <a:p>
             <a:r>
-              <a:rPr lang="en-US" altLang="zh-CN" dirty="0"/>
+              <a:rPr lang="en-US" altLang="zh-CN" sz="900" dirty="0"/>
               <a:t>Margin</a:t>
             </a:r>
           </a:p>
           <a:p>
             <a:r>
-              <a:rPr lang="en-US" altLang="zh-CN" dirty="0"/>
+              <a:rPr lang="en-US" altLang="zh-CN" sz="900" dirty="0"/>
               <a:t>Balance</a:t>
             </a:r>
           </a:p>
@@ -4734,8 +4447,8 @@
         </p:nvSpPr>
         <p:spPr>
           <a:xfrm flipH="1">
-            <a:off x="8364993" y="4117271"/>
-            <a:ext cx="250135" cy="1442416"/>
+            <a:off x="5134481" y="2543314"/>
+            <a:ext cx="112296" cy="647561"/>
           </a:xfrm>
           <a:prstGeom prst="leftBrace">
             <a:avLst>
@@ -4763,7 +4476,7 @@
           <a:lstStyle/>
           <a:p>
             <a:pPr algn="ctr"/>
-            <a:endParaRPr lang="zh-CN" altLang="en-US"/>
+            <a:endParaRPr lang="zh-CN" altLang="en-US" sz="900"/>
           </a:p>
         </p:txBody>
       </p:sp>
@@ -4781,8 +4494,8 @@
         </p:nvSpPr>
         <p:spPr>
           <a:xfrm flipH="1">
-            <a:off x="6217481" y="4109390"/>
-            <a:ext cx="120704" cy="439006"/>
+            <a:off x="4170372" y="2539776"/>
+            <a:ext cx="54189" cy="197088"/>
           </a:xfrm>
           <a:prstGeom prst="leftBrace">
             <a:avLst>
@@ -4810,7 +4523,7 @@
           <a:lstStyle/>
           <a:p>
             <a:pPr algn="ctr"/>
-            <a:endParaRPr lang="zh-CN" altLang="en-US"/>
+            <a:endParaRPr lang="zh-CN" altLang="en-US" sz="900"/>
           </a:p>
         </p:txBody>
       </p:sp>
@@ -4828,8 +4541,8 @@
         </p:nvSpPr>
         <p:spPr>
           <a:xfrm>
-            <a:off x="6338185" y="4115743"/>
-            <a:ext cx="2088265" cy="369332"/>
+            <a:off x="4211861" y="2523578"/>
+            <a:ext cx="972914" cy="230832"/>
           </a:xfrm>
           <a:prstGeom prst="rect">
             <a:avLst/>
@@ -4843,100 +4556,10 @@
           <a:lstStyle/>
           <a:p>
             <a:r>
-              <a:rPr lang="en-US" altLang="zh-CN" dirty="0" err="1"/>
-              <a:t>DrawableBalance</a:t>
-            </a:r>
-            <a:r>
-              <a:rPr lang="en-US" altLang="zh-CN" dirty="0"/>
-              <a:t> </a:t>
-            </a:r>
-          </a:p>
-        </p:txBody>
-      </p:sp>
-      <p:sp>
-        <p:nvSpPr>
-          <p:cNvPr id="19" name="文本框 18">
-            <a:extLst>
-              <a:ext uri="{FF2B5EF4-FFF2-40B4-BE49-F238E27FC236}">
-                <a16:creationId xmlns:a16="http://schemas.microsoft.com/office/drawing/2014/main" id="{91F4002E-5077-493F-B1E4-2E1F788C3159}"/>
-              </a:ext>
-            </a:extLst>
-          </p:cNvPr>
-          <p:cNvSpPr txBox="1"/>
-          <p:nvPr/>
-        </p:nvSpPr>
-        <p:spPr>
-          <a:xfrm>
-            <a:off x="6338185" y="3681203"/>
-            <a:ext cx="2466181" cy="369332"/>
-          </a:xfrm>
-          <a:prstGeom prst="rect">
-            <a:avLst/>
-          </a:prstGeom>
-          <a:noFill/>
-        </p:spPr>
-        <p:txBody>
-          <a:bodyPr wrap="square" rtlCol="0">
-            <a:spAutoFit/>
-          </a:bodyPr>
-          <a:lstStyle/>
-          <a:p>
-            <a:r>
-              <a:rPr lang="en-US" altLang="zh-CN" dirty="0" err="1"/>
+              <a:rPr lang="en-US" altLang="zh-CN" sz="900" dirty="0" err="1"/>
               <a:t>AvailableMargin</a:t>
             </a:r>
-            <a:r>
-              <a:rPr lang="en-US" altLang="zh-CN" dirty="0"/>
-              <a:t> &lt; 0</a:t>
-            </a:r>
-            <a:endParaRPr lang="zh-CN" altLang="en-US" dirty="0"/>
-          </a:p>
-        </p:txBody>
-      </p:sp>
-      <p:sp>
-        <p:nvSpPr>
-          <p:cNvPr id="21" name="左大括号 20">
-            <a:extLst>
-              <a:ext uri="{FF2B5EF4-FFF2-40B4-BE49-F238E27FC236}">
-                <a16:creationId xmlns:a16="http://schemas.microsoft.com/office/drawing/2014/main" id="{03D88CB3-25D1-4FD0-A46B-63F3E73A3B23}"/>
-              </a:ext>
-            </a:extLst>
-          </p:cNvPr>
-          <p:cNvSpPr/>
-          <p:nvPr/>
-        </p:nvSpPr>
-        <p:spPr>
-          <a:xfrm flipH="1">
-            <a:off x="6217187" y="3676738"/>
-            <a:ext cx="120704" cy="425454"/>
-          </a:xfrm>
-          <a:prstGeom prst="leftBrace">
-            <a:avLst>
-              <a:gd name="adj1" fmla="val 94760"/>
-              <a:gd name="adj2" fmla="val 50000"/>
-            </a:avLst>
-          </a:prstGeom>
-        </p:spPr>
-        <p:style>
-          <a:lnRef idx="1">
-            <a:schemeClr val="accent1"/>
-          </a:lnRef>
-          <a:fillRef idx="0">
-            <a:schemeClr val="accent1"/>
-          </a:fillRef>
-          <a:effectRef idx="0">
-            <a:schemeClr val="accent1"/>
-          </a:effectRef>
-          <a:fontRef idx="minor">
-            <a:schemeClr val="tx1"/>
-          </a:fontRef>
-        </p:style>
-        <p:txBody>
-          <a:bodyPr rtlCol="0" anchor="ctr"/>
-          <a:lstStyle/>
-          <a:p>
-            <a:pPr algn="ctr"/>
-            <a:endParaRPr lang="zh-CN" altLang="en-US"/>
+            <a:endParaRPr lang="en-US" altLang="zh-CN" sz="900" dirty="0"/>
           </a:p>
         </p:txBody>
       </p:sp>
